--- a/Cloud_BaoCaoCuoiKi.pptx
+++ b/Cloud_BaoCaoCuoiKi.pptx
@@ -6098,7 +6098,7 @@
               </a:rPr>
             </a:br>
             <a:r>
-              <a:rPr lang="en-US" sz="2800" dirty="0" err="1">
+              <a:rPr lang="en-US" sz="2800" dirty="0">
                 <a:solidFill>
                   <a:srgbClr val="FF0000"/>
                 </a:solidFill>
@@ -6106,18 +6106,7 @@
                 <a:ea typeface="Roboto" panose="02000000000000000000" pitchFamily="2" charset="0"/>
                 <a:cs typeface="Times New Roman" panose="02020603050405020304" pitchFamily="18" charset="0"/>
               </a:rPr>
-              <a:t>Điện</a:t>
-            </a:r>
-            <a:r>
-              <a:rPr lang="en-US" sz="2800" dirty="0">
-                <a:solidFill>
-                  <a:srgbClr val="FF0000"/>
-                </a:solidFill>
-                <a:latin typeface="Times New Roman" panose="02020603050405020304" pitchFamily="18" charset="0"/>
-                <a:ea typeface="Roboto" panose="02000000000000000000" pitchFamily="2" charset="0"/>
-                <a:cs typeface="Times New Roman" panose="02020603050405020304" pitchFamily="18" charset="0"/>
-              </a:rPr>
-              <a:t> TOÁN ĐÁM MÂY</a:t>
+              <a:t>ĐIỆN TOÁN ĐÁM MÂY</a:t>
             </a:r>
             <a:br>
               <a:rPr lang="en-US" sz="2800" dirty="0">
@@ -6603,6 +6592,333 @@
           </a:extLst>
         </p:spPr>
       </p:pic>
+      <p:sp>
+        <p:nvSpPr>
+          <p:cNvPr id="5" name="Google Shape;524;p33">
+            <a:extLst>
+              <a:ext uri="{FF2B5EF4-FFF2-40B4-BE49-F238E27FC236}">
+                <a16:creationId xmlns:a16="http://schemas.microsoft.com/office/drawing/2014/main" id="{98478B81-0C1E-C314-B5DC-0E4A44F1F5F7}"/>
+              </a:ext>
+            </a:extLst>
+          </p:cNvPr>
+          <p:cNvSpPr txBox="1">
+            <a:spLocks/>
+          </p:cNvSpPr>
+          <p:nvPr/>
+        </p:nvSpPr>
+        <p:spPr>
+          <a:xfrm>
+            <a:off x="581024" y="4223643"/>
+            <a:ext cx="7981950" cy="873633"/>
+          </a:xfrm>
+          <a:prstGeom prst="rect">
+            <a:avLst/>
+          </a:prstGeom>
+          <a:noFill/>
+          <a:ln>
+            <a:noFill/>
+          </a:ln>
+        </p:spPr>
+        <p:txBody>
+          <a:bodyPr spcFirstLastPara="1" wrap="square" lIns="91425" tIns="91425" rIns="91425" bIns="91425" anchor="ctr" anchorCtr="0">
+            <a:noAutofit/>
+          </a:bodyPr>
+          <a:lstStyle>
+            <a:defPPr marR="0" lvl="0" algn="l" rtl="0">
+              <a:lnSpc>
+                <a:spcPct val="100000"/>
+              </a:lnSpc>
+              <a:spcBef>
+                <a:spcPts val="0"/>
+              </a:spcBef>
+              <a:spcAft>
+                <a:spcPts val="0"/>
+              </a:spcAft>
+            </a:defPPr>
+            <a:lvl1pPr marR="0" lvl="0" algn="l" rtl="0">
+              <a:lnSpc>
+                <a:spcPct val="100000"/>
+              </a:lnSpc>
+              <a:spcBef>
+                <a:spcPts val="0"/>
+              </a:spcBef>
+              <a:spcAft>
+                <a:spcPts val="0"/>
+              </a:spcAft>
+              <a:buClr>
+                <a:schemeClr val="lt1"/>
+              </a:buClr>
+              <a:buSzPts val="2000"/>
+              <a:buFont typeface="Roboto Condensed"/>
+              <a:buNone/>
+              <a:defRPr sz="2000" b="1" i="0" u="none" strike="noStrike" cap="none">
+                <a:solidFill>
+                  <a:schemeClr val="lt1"/>
+                </a:solidFill>
+                <a:latin typeface="Roboto Condensed"/>
+                <a:ea typeface="Roboto Condensed"/>
+                <a:cs typeface="Roboto Condensed"/>
+                <a:sym typeface="Roboto Condensed"/>
+              </a:defRPr>
+            </a:lvl1pPr>
+            <a:lvl2pPr marR="0" lvl="1" algn="l" rtl="0">
+              <a:lnSpc>
+                <a:spcPct val="100000"/>
+              </a:lnSpc>
+              <a:spcBef>
+                <a:spcPts val="0"/>
+              </a:spcBef>
+              <a:spcAft>
+                <a:spcPts val="0"/>
+              </a:spcAft>
+              <a:buClr>
+                <a:schemeClr val="lt1"/>
+              </a:buClr>
+              <a:buSzPts val="2000"/>
+              <a:buFont typeface="Roboto Condensed"/>
+              <a:buNone/>
+              <a:defRPr sz="2000" b="1" i="0" u="none" strike="noStrike" cap="none">
+                <a:solidFill>
+                  <a:schemeClr val="lt1"/>
+                </a:solidFill>
+                <a:latin typeface="Roboto Condensed"/>
+                <a:ea typeface="Roboto Condensed"/>
+                <a:cs typeface="Roboto Condensed"/>
+                <a:sym typeface="Roboto Condensed"/>
+              </a:defRPr>
+            </a:lvl2pPr>
+            <a:lvl3pPr marR="0" lvl="2" algn="l" rtl="0">
+              <a:lnSpc>
+                <a:spcPct val="100000"/>
+              </a:lnSpc>
+              <a:spcBef>
+                <a:spcPts val="0"/>
+              </a:spcBef>
+              <a:spcAft>
+                <a:spcPts val="0"/>
+              </a:spcAft>
+              <a:buClr>
+                <a:schemeClr val="lt1"/>
+              </a:buClr>
+              <a:buSzPts val="2000"/>
+              <a:buFont typeface="Roboto Condensed"/>
+              <a:buNone/>
+              <a:defRPr sz="2000" b="1" i="0" u="none" strike="noStrike" cap="none">
+                <a:solidFill>
+                  <a:schemeClr val="lt1"/>
+                </a:solidFill>
+                <a:latin typeface="Roboto Condensed"/>
+                <a:ea typeface="Roboto Condensed"/>
+                <a:cs typeface="Roboto Condensed"/>
+                <a:sym typeface="Roboto Condensed"/>
+              </a:defRPr>
+            </a:lvl3pPr>
+            <a:lvl4pPr marR="0" lvl="3" algn="l" rtl="0">
+              <a:lnSpc>
+                <a:spcPct val="100000"/>
+              </a:lnSpc>
+              <a:spcBef>
+                <a:spcPts val="0"/>
+              </a:spcBef>
+              <a:spcAft>
+                <a:spcPts val="0"/>
+              </a:spcAft>
+              <a:buClr>
+                <a:schemeClr val="lt1"/>
+              </a:buClr>
+              <a:buSzPts val="2000"/>
+              <a:buFont typeface="Roboto Condensed"/>
+              <a:buNone/>
+              <a:defRPr sz="2000" b="1" i="0" u="none" strike="noStrike" cap="none">
+                <a:solidFill>
+                  <a:schemeClr val="lt1"/>
+                </a:solidFill>
+                <a:latin typeface="Roboto Condensed"/>
+                <a:ea typeface="Roboto Condensed"/>
+                <a:cs typeface="Roboto Condensed"/>
+                <a:sym typeface="Roboto Condensed"/>
+              </a:defRPr>
+            </a:lvl4pPr>
+            <a:lvl5pPr marR="0" lvl="4" algn="l" rtl="0">
+              <a:lnSpc>
+                <a:spcPct val="100000"/>
+              </a:lnSpc>
+              <a:spcBef>
+                <a:spcPts val="0"/>
+              </a:spcBef>
+              <a:spcAft>
+                <a:spcPts val="0"/>
+              </a:spcAft>
+              <a:buClr>
+                <a:schemeClr val="lt1"/>
+              </a:buClr>
+              <a:buSzPts val="2000"/>
+              <a:buFont typeface="Roboto Condensed"/>
+              <a:buNone/>
+              <a:defRPr sz="2000" b="1" i="0" u="none" strike="noStrike" cap="none">
+                <a:solidFill>
+                  <a:schemeClr val="lt1"/>
+                </a:solidFill>
+                <a:latin typeface="Roboto Condensed"/>
+                <a:ea typeface="Roboto Condensed"/>
+                <a:cs typeface="Roboto Condensed"/>
+                <a:sym typeface="Roboto Condensed"/>
+              </a:defRPr>
+            </a:lvl5pPr>
+            <a:lvl6pPr marR="0" lvl="5" algn="l" rtl="0">
+              <a:lnSpc>
+                <a:spcPct val="100000"/>
+              </a:lnSpc>
+              <a:spcBef>
+                <a:spcPts val="0"/>
+              </a:spcBef>
+              <a:spcAft>
+                <a:spcPts val="0"/>
+              </a:spcAft>
+              <a:buClr>
+                <a:schemeClr val="lt1"/>
+              </a:buClr>
+              <a:buSzPts val="2000"/>
+              <a:buFont typeface="Roboto Condensed"/>
+              <a:buNone/>
+              <a:defRPr sz="2000" b="1" i="0" u="none" strike="noStrike" cap="none">
+                <a:solidFill>
+                  <a:schemeClr val="lt1"/>
+                </a:solidFill>
+                <a:latin typeface="Roboto Condensed"/>
+                <a:ea typeface="Roboto Condensed"/>
+                <a:cs typeface="Roboto Condensed"/>
+                <a:sym typeface="Roboto Condensed"/>
+              </a:defRPr>
+            </a:lvl6pPr>
+            <a:lvl7pPr marR="0" lvl="6" algn="l" rtl="0">
+              <a:lnSpc>
+                <a:spcPct val="100000"/>
+              </a:lnSpc>
+              <a:spcBef>
+                <a:spcPts val="0"/>
+              </a:spcBef>
+              <a:spcAft>
+                <a:spcPts val="0"/>
+              </a:spcAft>
+              <a:buClr>
+                <a:schemeClr val="lt1"/>
+              </a:buClr>
+              <a:buSzPts val="2000"/>
+              <a:buFont typeface="Roboto Condensed"/>
+              <a:buNone/>
+              <a:defRPr sz="2000" b="1" i="0" u="none" strike="noStrike" cap="none">
+                <a:solidFill>
+                  <a:schemeClr val="lt1"/>
+                </a:solidFill>
+                <a:latin typeface="Roboto Condensed"/>
+                <a:ea typeface="Roboto Condensed"/>
+                <a:cs typeface="Roboto Condensed"/>
+                <a:sym typeface="Roboto Condensed"/>
+              </a:defRPr>
+            </a:lvl7pPr>
+            <a:lvl8pPr marR="0" lvl="7" algn="l" rtl="0">
+              <a:lnSpc>
+                <a:spcPct val="100000"/>
+              </a:lnSpc>
+              <a:spcBef>
+                <a:spcPts val="0"/>
+              </a:spcBef>
+              <a:spcAft>
+                <a:spcPts val="0"/>
+              </a:spcAft>
+              <a:buClr>
+                <a:schemeClr val="lt1"/>
+              </a:buClr>
+              <a:buSzPts val="2000"/>
+              <a:buFont typeface="Roboto Condensed"/>
+              <a:buNone/>
+              <a:defRPr sz="2000" b="1" i="0" u="none" strike="noStrike" cap="none">
+                <a:solidFill>
+                  <a:schemeClr val="lt1"/>
+                </a:solidFill>
+                <a:latin typeface="Roboto Condensed"/>
+                <a:ea typeface="Roboto Condensed"/>
+                <a:cs typeface="Roboto Condensed"/>
+                <a:sym typeface="Roboto Condensed"/>
+              </a:defRPr>
+            </a:lvl8pPr>
+            <a:lvl9pPr marR="0" lvl="8" algn="l" rtl="0">
+              <a:lnSpc>
+                <a:spcPct val="100000"/>
+              </a:lnSpc>
+              <a:spcBef>
+                <a:spcPts val="0"/>
+              </a:spcBef>
+              <a:spcAft>
+                <a:spcPts val="0"/>
+              </a:spcAft>
+              <a:buClr>
+                <a:schemeClr val="lt1"/>
+              </a:buClr>
+              <a:buSzPts val="2000"/>
+              <a:buFont typeface="Roboto Condensed"/>
+              <a:buNone/>
+              <a:defRPr sz="2000" b="1" i="0" u="none" strike="noStrike" cap="none">
+                <a:solidFill>
+                  <a:schemeClr val="lt1"/>
+                </a:solidFill>
+                <a:latin typeface="Roboto Condensed"/>
+                <a:ea typeface="Roboto Condensed"/>
+                <a:cs typeface="Roboto Condensed"/>
+                <a:sym typeface="Roboto Condensed"/>
+              </a:defRPr>
+            </a:lvl9pPr>
+          </a:lstStyle>
+          <a:p>
+            <a:r>
+              <a:rPr lang="en-US" sz="2200" dirty="0">
+                <a:solidFill>
+                  <a:schemeClr val="tx1"/>
+                </a:solidFill>
+                <a:latin typeface="+mj-lt"/>
+                <a:ea typeface="Roboto" panose="02000000000000000000" pitchFamily="2" charset="0"/>
+              </a:rPr>
+              <a:t>GVHD</a:t>
+            </a:r>
+            <a:r>
+              <a:rPr lang="en-US" sz="2200">
+                <a:solidFill>
+                  <a:schemeClr val="tx1"/>
+                </a:solidFill>
+                <a:latin typeface="+mj-lt"/>
+                <a:ea typeface="Roboto" panose="02000000000000000000" pitchFamily="2" charset="0"/>
+              </a:rPr>
+              <a:t>:  TS. HUỲNH </a:t>
+            </a:r>
+            <a:r>
+              <a:rPr lang="en-US" sz="2200" dirty="0">
+                <a:solidFill>
+                  <a:schemeClr val="tx1"/>
+                </a:solidFill>
+                <a:latin typeface="+mj-lt"/>
+                <a:ea typeface="Roboto" panose="02000000000000000000" pitchFamily="2" charset="0"/>
+              </a:rPr>
+              <a:t>XUÂN PHỤNG</a:t>
+            </a:r>
+            <a:br>
+              <a:rPr lang="vi-VN" sz="2200" dirty="0">
+                <a:solidFill>
+                  <a:schemeClr val="tx1"/>
+                </a:solidFill>
+                <a:latin typeface="+mj-lt"/>
+                <a:ea typeface="Roboto" panose="02000000000000000000" pitchFamily="2" charset="0"/>
+              </a:rPr>
+            </a:br>
+            <a:endParaRPr lang="vi-VN" sz="2200" dirty="0">
+              <a:solidFill>
+                <a:schemeClr val="tx1"/>
+              </a:solidFill>
+              <a:latin typeface="+mj-lt"/>
+            </a:endParaRPr>
+          </a:p>
+        </p:txBody>
+      </p:sp>
     </p:spTree>
     <p:extLst>
       <p:ext uri="{BB962C8B-B14F-4D97-AF65-F5344CB8AC3E}">
